--- a/presentation/Ames housing dataset modelling challenge.pptx
+++ b/presentation/Ames housing dataset modelling challenge.pptx
@@ -3748,8 +3748,13 @@
             </a:r>
             <a:r>
               <a:rPr lang="en-US" dirty="0"/>
-              <a:t>/competitions/adobe-dsb-34</a:t>
-            </a:r>
+              <a:t>/competitions</a:t>
+            </a:r>
+            <a:r>
+              <a:rPr lang="en-US"/>
+              <a:t>/adobe-dsb-34.</a:t>
+            </a:r>
+            <a:endParaRPr lang="en-US" dirty="0"/>
           </a:p>
         </p:txBody>
       </p:sp>
